--- a/銀行模擬系統.pptx
+++ b/銀行模擬系統.pptx
@@ -6233,7 +6233,7 @@
                 <a:latin typeface="標楷體" panose="03000509000000000000" pitchFamily="65" charset="-120"/>
                 <a:ea typeface="標楷體" panose="03000509000000000000" pitchFamily="65" charset="-120"/>
               </a:rPr>
-              <a:t>有效利用丹利模式，確保使　　 </a:t>
+              <a:t>有效利用單例模式，確保使　　 </a:t>
             </a:r>
             <a:endParaRPr lang="en-US" altLang="zh-TW" dirty="0">
               <a:latin typeface="標楷體" panose="03000509000000000000" pitchFamily="65" charset="-120"/>
@@ -6246,7 +6246,7 @@
                 <a:latin typeface="標楷體" panose="03000509000000000000" pitchFamily="65" charset="-120"/>
                 <a:ea typeface="標楷體" panose="03000509000000000000" pitchFamily="65" charset="-120"/>
               </a:rPr>
-              <a:t>　用者與銀行規則管理氣得痊癒唯一性與狀態　　</a:t>
+              <a:t>　用者與銀行規則管理器的全域唯一性與狀態　　</a:t>
             </a:r>
             <a:endParaRPr lang="en-US" altLang="zh-TW" dirty="0">
               <a:latin typeface="標楷體" panose="03000509000000000000" pitchFamily="65" charset="-120"/>

--- a/銀行模擬系統.pptx
+++ b/銀行模擬系統.pptx
@@ -272,7 +272,7 @@
           <a:p>
             <a:fld id="{D5869788-3567-414E-96B1-B198D10DED12}" type="datetimeFigureOut">
               <a:rPr lang="zh-TW" altLang="en-US" smtClean="0"/>
-              <a:t>2025/12/22</a:t>
+              <a:t>2025/12/23</a:t>
             </a:fld>
             <a:endParaRPr lang="zh-TW" altLang="en-US"/>
           </a:p>
@@ -470,7 +470,7 @@
           <a:p>
             <a:fld id="{D5869788-3567-414E-96B1-B198D10DED12}" type="datetimeFigureOut">
               <a:rPr lang="zh-TW" altLang="en-US" smtClean="0"/>
-              <a:t>2025/12/22</a:t>
+              <a:t>2025/12/23</a:t>
             </a:fld>
             <a:endParaRPr lang="zh-TW" altLang="en-US"/>
           </a:p>
@@ -678,7 +678,7 @@
           <a:p>
             <a:fld id="{D5869788-3567-414E-96B1-B198D10DED12}" type="datetimeFigureOut">
               <a:rPr lang="zh-TW" altLang="en-US" smtClean="0"/>
-              <a:t>2025/12/22</a:t>
+              <a:t>2025/12/23</a:t>
             </a:fld>
             <a:endParaRPr lang="zh-TW" altLang="en-US"/>
           </a:p>
@@ -876,7 +876,7 @@
           <a:p>
             <a:fld id="{D5869788-3567-414E-96B1-B198D10DED12}" type="datetimeFigureOut">
               <a:rPr lang="zh-TW" altLang="en-US" smtClean="0"/>
-              <a:t>2025/12/22</a:t>
+              <a:t>2025/12/23</a:t>
             </a:fld>
             <a:endParaRPr lang="zh-TW" altLang="en-US"/>
           </a:p>
@@ -1151,7 +1151,7 @@
           <a:p>
             <a:fld id="{D5869788-3567-414E-96B1-B198D10DED12}" type="datetimeFigureOut">
               <a:rPr lang="zh-TW" altLang="en-US" smtClean="0"/>
-              <a:t>2025/12/22</a:t>
+              <a:t>2025/12/23</a:t>
             </a:fld>
             <a:endParaRPr lang="zh-TW" altLang="en-US"/>
           </a:p>
@@ -1416,7 +1416,7 @@
           <a:p>
             <a:fld id="{D5869788-3567-414E-96B1-B198D10DED12}" type="datetimeFigureOut">
               <a:rPr lang="zh-TW" altLang="en-US" smtClean="0"/>
-              <a:t>2025/12/22</a:t>
+              <a:t>2025/12/23</a:t>
             </a:fld>
             <a:endParaRPr lang="zh-TW" altLang="en-US"/>
           </a:p>
@@ -1828,7 +1828,7 @@
           <a:p>
             <a:fld id="{D5869788-3567-414E-96B1-B198D10DED12}" type="datetimeFigureOut">
               <a:rPr lang="zh-TW" altLang="en-US" smtClean="0"/>
-              <a:t>2025/12/22</a:t>
+              <a:t>2025/12/23</a:t>
             </a:fld>
             <a:endParaRPr lang="zh-TW" altLang="en-US"/>
           </a:p>
@@ -1969,7 +1969,7 @@
           <a:p>
             <a:fld id="{D5869788-3567-414E-96B1-B198D10DED12}" type="datetimeFigureOut">
               <a:rPr lang="zh-TW" altLang="en-US" smtClean="0"/>
-              <a:t>2025/12/22</a:t>
+              <a:t>2025/12/23</a:t>
             </a:fld>
             <a:endParaRPr lang="zh-TW" altLang="en-US"/>
           </a:p>
@@ -2082,7 +2082,7 @@
           <a:p>
             <a:fld id="{D5869788-3567-414E-96B1-B198D10DED12}" type="datetimeFigureOut">
               <a:rPr lang="zh-TW" altLang="en-US" smtClean="0"/>
-              <a:t>2025/12/22</a:t>
+              <a:t>2025/12/23</a:t>
             </a:fld>
             <a:endParaRPr lang="zh-TW" altLang="en-US"/>
           </a:p>
@@ -2393,7 +2393,7 @@
           <a:p>
             <a:fld id="{D5869788-3567-414E-96B1-B198D10DED12}" type="datetimeFigureOut">
               <a:rPr lang="zh-TW" altLang="en-US" smtClean="0"/>
-              <a:t>2025/12/22</a:t>
+              <a:t>2025/12/23</a:t>
             </a:fld>
             <a:endParaRPr lang="zh-TW" altLang="en-US"/>
           </a:p>
@@ -2681,7 +2681,7 @@
           <a:p>
             <a:fld id="{D5869788-3567-414E-96B1-B198D10DED12}" type="datetimeFigureOut">
               <a:rPr lang="zh-TW" altLang="en-US" smtClean="0"/>
-              <a:t>2025/12/22</a:t>
+              <a:t>2025/12/23</a:t>
             </a:fld>
             <a:endParaRPr lang="zh-TW" altLang="en-US"/>
           </a:p>
@@ -2922,7 +2922,7 @@
           <a:p>
             <a:fld id="{D5869788-3567-414E-96B1-B198D10DED12}" type="datetimeFigureOut">
               <a:rPr lang="zh-TW" altLang="en-US" smtClean="0"/>
-              <a:t>2025/12/22</a:t>
+              <a:t>2025/12/23</a:t>
             </a:fld>
             <a:endParaRPr lang="zh-TW" altLang="en-US"/>
           </a:p>
@@ -4130,14 +4130,14 @@
           <a:lstStyle/>
           <a:p>
             <a:r>
-              <a:rPr lang="zh-TW" altLang="en-US" sz="4000" b="1" dirty="0">
+              <a:rPr lang="zh-TW" altLang="en-US" sz="4000" b="1">
                 <a:solidFill>
                   <a:srgbClr val="194465"/>
                 </a:solidFill>
                 <a:latin typeface="Times New Roman" panose="02020603050405020304" pitchFamily="18" charset="0"/>
                 <a:ea typeface="新細明體" panose="02020500000000000000" pitchFamily="18" charset="-120"/>
               </a:rPr>
-              <a:t>上帝視角：</a:t>
+              <a:t>銀行經理：</a:t>
             </a:r>
             <a:r>
               <a:rPr lang="en-US" altLang="zh-TW" sz="4000" b="1" dirty="0">

--- a/銀行模擬系統.pptx
+++ b/銀行模擬系統.pptx
@@ -4860,7 +4860,7 @@
         <p:spPr>
           <a:xfrm>
             <a:off x="4722545" y="3831434"/>
-            <a:ext cx="2518638" cy="307777"/>
+            <a:ext cx="2428870" cy="307777"/>
           </a:xfrm>
           <a:prstGeom prst="rect">
             <a:avLst/>
@@ -4899,7 +4899,7 @@
                 <a:latin typeface="標楷體" panose="03000509000000000000" pitchFamily="65" charset="-120"/>
                 <a:ea typeface="標楷體" panose="03000509000000000000" pitchFamily="65" charset="-120"/>
               </a:rPr>
-              <a:t>transfer_money</a:t>
+              <a:t>transferMoney</a:t>
             </a:r>
             <a:r>
               <a:rPr lang="en-US" altLang="zh-TW" sz="1400" dirty="0">
@@ -4948,7 +4948,7 @@
                 <a:latin typeface="標楷體" panose="03000509000000000000" pitchFamily="65" charset="-120"/>
                 <a:ea typeface="標楷體" panose="03000509000000000000" pitchFamily="65" charset="-120"/>
               </a:rPr>
-              <a:t>8.</a:t>
+              <a:t>7.</a:t>
             </a:r>
             <a:r>
               <a:rPr lang="zh-TW" altLang="en-US" sz="1400" dirty="0">
@@ -5052,7 +5052,7 @@
                 <a:latin typeface="標楷體" panose="03000509000000000000" pitchFamily="65" charset="-120"/>
                 <a:ea typeface="標楷體" panose="03000509000000000000" pitchFamily="65" charset="-120"/>
               </a:rPr>
-              <a:t>9.</a:t>
+              <a:t>8.</a:t>
             </a:r>
             <a:r>
               <a:rPr lang="zh-TW" altLang="en-US" sz="1400" dirty="0">
@@ -5104,7 +5104,7 @@
         <p:spPr>
           <a:xfrm>
             <a:off x="4691217" y="5322712"/>
-            <a:ext cx="3865161" cy="307777"/>
+            <a:ext cx="3775393" cy="307777"/>
           </a:xfrm>
           <a:prstGeom prst="rect">
             <a:avLst/>
@@ -5122,7 +5122,7 @@
                 <a:latin typeface="標楷體" panose="03000509000000000000" pitchFamily="65" charset="-120"/>
                 <a:ea typeface="標楷體" panose="03000509000000000000" pitchFamily="65" charset="-120"/>
               </a:rPr>
-              <a:t>10.(Self-call)</a:t>
+              <a:t>9.(Self-call)</a:t>
             </a:r>
             <a:r>
               <a:rPr lang="zh-TW" altLang="en-US" sz="1400" dirty="0">
@@ -5158,65 +5158,6 @@
                 <a:ea typeface="標楷體" panose="03000509000000000000" pitchFamily="65" charset="-120"/>
               </a:rPr>
               <a:t>刷新介面</a:t>
-            </a:r>
-          </a:p>
-        </p:txBody>
-      </p:sp>
-      <p:sp>
-        <p:nvSpPr>
-          <p:cNvPr id="15" name="文字方塊 14">
-            <a:extLst>
-              <a:ext uri="{FF2B5EF4-FFF2-40B4-BE49-F238E27FC236}">
-                <a16:creationId xmlns:a16="http://schemas.microsoft.com/office/drawing/2014/main" id="{B9CB6F23-1511-EA9B-03C2-44E729839F31}"/>
-              </a:ext>
-            </a:extLst>
-          </p:cNvPr>
-          <p:cNvSpPr txBox="1"/>
-          <p:nvPr/>
-        </p:nvSpPr>
-        <p:spPr>
-          <a:xfrm>
-            <a:off x="7518440" y="4139211"/>
-            <a:ext cx="2877711" cy="307777"/>
-          </a:xfrm>
-          <a:prstGeom prst="rect">
-            <a:avLst/>
-          </a:prstGeom>
-          <a:noFill/>
-        </p:spPr>
-        <p:txBody>
-          <a:bodyPr wrap="none" rtlCol="0">
-            <a:spAutoFit/>
-          </a:bodyPr>
-          <a:lstStyle/>
-          <a:p>
-            <a:r>
-              <a:rPr lang="en-US" altLang="zh-TW" sz="1400" dirty="0">
-                <a:latin typeface="標楷體" panose="03000509000000000000" pitchFamily="65" charset="-120"/>
-                <a:ea typeface="標楷體" panose="03000509000000000000" pitchFamily="65" charset="-120"/>
-              </a:rPr>
-              <a:t>7.(Self-cell)</a:t>
-            </a:r>
-            <a:r>
-              <a:rPr lang="zh-TW" altLang="en-US" sz="1400" dirty="0">
-                <a:latin typeface="標楷體" panose="03000509000000000000" pitchFamily="65" charset="-120"/>
-                <a:ea typeface="標楷體" panose="03000509000000000000" pitchFamily="65" charset="-120"/>
-              </a:rPr>
-              <a:t>檢查餘額</a:t>
-            </a:r>
-            <a:r>
-              <a:rPr lang="en-US" altLang="zh-TW" sz="1400" dirty="0">
-                <a:latin typeface="標楷體" panose="03000509000000000000" pitchFamily="65" charset="-120"/>
-                <a:ea typeface="標楷體" panose="03000509000000000000" pitchFamily="65" charset="-120"/>
-              </a:rPr>
-              <a:t>,</a:t>
-            </a:r>
-            <a:r>
-              <a:rPr lang="zh-TW" altLang="en-US" sz="1400" dirty="0">
-                <a:latin typeface="標楷體" panose="03000509000000000000" pitchFamily="65" charset="-120"/>
-                <a:ea typeface="標楷體" panose="03000509000000000000" pitchFamily="65" charset="-120"/>
-              </a:rPr>
-              <a:t>更新帳戶</a:t>
             </a:r>
           </a:p>
         </p:txBody>
